--- a/Kafka Summit-part1-v07.pptx
+++ b/Kafka Summit-part1-v07.pptx
@@ -5,7 +5,7 @@
     <p:sldMasterId id="2147483648" r:id="rId1"/>
   </p:sldMasterIdLst>
   <p:notesMasterIdLst>
-    <p:notesMasterId r:id="rId26"/>
+    <p:notesMasterId r:id="rId27"/>
   </p:notesMasterIdLst>
   <p:sldIdLst>
     <p:sldId id="263" r:id="rId2"/>
@@ -32,6 +32,7 @@
     <p:sldId id="353" r:id="rId23"/>
     <p:sldId id="355" r:id="rId24"/>
     <p:sldId id="354" r:id="rId25"/>
+    <p:sldId id="360" r:id="rId26"/>
   </p:sldIdLst>
   <p:sldSz cx="12192000" cy="6858000"/>
   <p:notesSz cx="6858000" cy="9144000"/>
@@ -220,7 +221,7 @@
           <a:p>
             <a:fld id="{1A376ABD-C746-5F4A-ABB8-FF5F9E1789F6}" type="datetimeFigureOut">
               <a:rPr lang="en-US" smtClean="0"/>
-              <a:t>3/30/18</a:t>
+              <a:t>3/31/18</a:t>
             </a:fld>
             <a:endParaRPr lang="en-US"/>
           </a:p>
@@ -3597,53 +3598,20 @@
               <a:buFont typeface="Arial" charset="0"/>
               <a:buChar char="•"/>
             </a:pPr>
-            <a:r>
-              <a:rPr lang="sv-SE" baseline="0" dirty="0" err="1" smtClean="0"/>
-              <a:t>Scammers</a:t>
-            </a:r>
-            <a:r>
-              <a:rPr lang="sv-SE" baseline="0" dirty="0" smtClean="0"/>
-              <a:t> </a:t>
-            </a:r>
-            <a:r>
-              <a:rPr lang="sv-SE" baseline="0" dirty="0" err="1" smtClean="0"/>
-              <a:t>are</a:t>
-            </a:r>
-            <a:r>
-              <a:rPr lang="sv-SE" baseline="0" dirty="0" smtClean="0"/>
-              <a:t> smart and </a:t>
-            </a:r>
-            <a:r>
-              <a:rPr lang="sv-SE" baseline="0" dirty="0" err="1" smtClean="0"/>
-              <a:t>have</a:t>
-            </a:r>
-            <a:r>
-              <a:rPr lang="sv-SE" baseline="0" dirty="0" smtClean="0"/>
-              <a:t> </a:t>
-            </a:r>
-            <a:r>
-              <a:rPr lang="sv-SE" baseline="0" dirty="0" err="1" smtClean="0"/>
-              <a:t>alot</a:t>
-            </a:r>
-            <a:r>
-              <a:rPr lang="sv-SE" baseline="0" dirty="0" smtClean="0"/>
-              <a:t> </a:t>
-            </a:r>
-            <a:r>
-              <a:rPr lang="sv-SE" baseline="0" dirty="0" err="1" smtClean="0"/>
-              <a:t>of</a:t>
-            </a:r>
-            <a:r>
-              <a:rPr lang="sv-SE" baseline="0" dirty="0" smtClean="0"/>
-              <a:t> </a:t>
-            </a:r>
-            <a:r>
-              <a:rPr lang="sv-SE" baseline="0" dirty="0" err="1" smtClean="0"/>
-              <a:t>time</a:t>
-            </a:r>
-            <a:r>
-              <a:rPr lang="sv-SE" baseline="0" dirty="0" smtClean="0"/>
-              <a:t>.</a:t>
+            <a:endParaRPr lang="sv-SE" baseline="0" dirty="0" smtClean="0"/>
+          </a:p>
+          <a:p>
+            <a:pPr marL="171450" lvl="0" indent="-171450">
+              <a:buFont typeface="Arial" charset="0"/>
+              <a:buChar char="•"/>
+            </a:pPr>
+            <a:r>
+              <a:rPr lang="sv-SE" baseline="0" dirty="0" err="1" smtClean="0"/>
+              <a:t>Evolvment</a:t>
+            </a:r>
+            <a:r>
+              <a:rPr lang="sv-SE" baseline="0" dirty="0" smtClean="0"/>
+              <a:t>:</a:t>
             </a:r>
           </a:p>
           <a:p>
@@ -3651,27 +3619,6 @@
               <a:buFont typeface="Arial" charset="0"/>
               <a:buChar char="•"/>
             </a:pPr>
-            <a:endParaRPr lang="sv-SE" baseline="0" dirty="0" smtClean="0"/>
-          </a:p>
-          <a:p>
-            <a:pPr marL="171450" lvl="0" indent="-171450">
-              <a:buFont typeface="Arial" charset="0"/>
-              <a:buChar char="•"/>
-            </a:pPr>
-            <a:r>
-              <a:rPr lang="sv-SE" baseline="0" dirty="0" err="1" smtClean="0"/>
-              <a:t>Evolvment</a:t>
-            </a:r>
-            <a:r>
-              <a:rPr lang="sv-SE" baseline="0" dirty="0" smtClean="0"/>
-              <a:t>:</a:t>
-            </a:r>
-          </a:p>
-          <a:p>
-            <a:pPr marL="628650" lvl="1" indent="-171450">
-              <a:buFont typeface="Arial" charset="0"/>
-              <a:buChar char="•"/>
-            </a:pPr>
             <a:r>
               <a:rPr lang="sv-SE" baseline="0" dirty="0" err="1" smtClean="0"/>
               <a:t>Slow</a:t>
@@ -3717,7 +3664,7 @@
             </a:r>
             <a:r>
               <a:rPr lang="sv-SE" baseline="0" dirty="0" smtClean="0"/>
-              <a:t>. Etc.</a:t>
+              <a:t>.</a:t>
             </a:r>
             <a:endParaRPr lang="sv-SE" dirty="0" smtClean="0"/>
           </a:p>
@@ -4642,6 +4589,165 @@
     <p:extLst>
       <p:ext uri="{BB962C8B-B14F-4D97-AF65-F5344CB8AC3E}">
         <p14:creationId xmlns:p14="http://schemas.microsoft.com/office/powerpoint/2010/main" val="1094137871"/>
+      </p:ext>
+    </p:extLst>
+  </p:cSld>
+  <p:clrMapOvr>
+    <a:masterClrMapping/>
+  </p:clrMapOvr>
+</p:notes>
+</file>
+
+<file path=ppt/notesSlides/notesSlide24.xml><?xml version="1.0" encoding="utf-8"?>
+<p:notes xmlns:a="http://schemas.openxmlformats.org/drawingml/2006/main" xmlns:r="http://schemas.openxmlformats.org/officeDocument/2006/relationships" xmlns:p="http://schemas.openxmlformats.org/presentationml/2006/main">
+  <p:cSld>
+    <p:spTree>
+      <p:nvGrpSpPr>
+        <p:cNvPr id="1" name=""/>
+        <p:cNvGrpSpPr/>
+        <p:nvPr/>
+      </p:nvGrpSpPr>
+      <p:grpSpPr>
+        <a:xfrm>
+          <a:off x="0" y="0"/>
+          <a:ext cx="0" cy="0"/>
+          <a:chOff x="0" y="0"/>
+          <a:chExt cx="0" cy="0"/>
+        </a:xfrm>
+      </p:grpSpPr>
+      <p:sp>
+        <p:nvSpPr>
+          <p:cNvPr id="2" name="Slide Image Placeholder 1"/>
+          <p:cNvSpPr>
+            <a:spLocks noGrp="1" noRot="1" noChangeAspect="1"/>
+          </p:cNvSpPr>
+          <p:nvPr>
+            <p:ph type="sldImg"/>
+          </p:nvPr>
+        </p:nvSpPr>
+        <p:spPr/>
+      </p:sp>
+      <p:sp>
+        <p:nvSpPr>
+          <p:cNvPr id="3" name="Notes Placeholder 2"/>
+          <p:cNvSpPr>
+            <a:spLocks noGrp="1"/>
+          </p:cNvSpPr>
+          <p:nvPr>
+            <p:ph type="body" idx="1"/>
+          </p:nvPr>
+        </p:nvSpPr>
+        <p:spPr/>
+        <p:txBody>
+          <a:bodyPr/>
+          <a:lstStyle/>
+          <a:p>
+            <a:r>
+              <a:rPr lang="sv-SE" dirty="0" smtClean="0"/>
+              <a:t>Bild på vilka informationsmängder vi nu har lagt i Kafka</a:t>
+            </a:r>
+          </a:p>
+          <a:p>
+            <a:pPr lvl="1"/>
+            <a:r>
+              <a:rPr lang="sv-SE" dirty="0" smtClean="0"/>
+              <a:t>KYC frågor</a:t>
+            </a:r>
+          </a:p>
+          <a:p>
+            <a:pPr lvl="1"/>
+            <a:r>
+              <a:rPr lang="sv-SE" dirty="0" smtClean="0"/>
+              <a:t>KYC svar</a:t>
+            </a:r>
+          </a:p>
+          <a:p>
+            <a:pPr lvl="1"/>
+            <a:r>
+              <a:rPr lang="sv-SE" dirty="0" smtClean="0"/>
+              <a:t>Kundinformation</a:t>
+            </a:r>
+          </a:p>
+          <a:p>
+            <a:pPr lvl="1"/>
+            <a:r>
+              <a:rPr lang="sv-SE" dirty="0" smtClean="0"/>
+              <a:t>Risk-score</a:t>
+            </a:r>
+          </a:p>
+          <a:p>
+            <a:pPr lvl="1"/>
+            <a:r>
+              <a:rPr lang="sv-SE" dirty="0" smtClean="0"/>
+              <a:t>Transaktioner</a:t>
+            </a:r>
+          </a:p>
+          <a:p>
+            <a:r>
+              <a:rPr lang="sv-SE" dirty="0" smtClean="0"/>
+              <a:t>Tankar kring framtida informationsmängder som vi vill lägga</a:t>
+            </a:r>
+          </a:p>
+          <a:p>
+            <a:pPr lvl="1"/>
+            <a:r>
+              <a:rPr lang="sv-SE" dirty="0" smtClean="0"/>
+              <a:t>Återanvändbarhet för framtida behov</a:t>
+            </a:r>
+          </a:p>
+          <a:p>
+            <a:pPr lvl="1"/>
+            <a:r>
+              <a:rPr lang="sv-SE" dirty="0" smtClean="0"/>
+              <a:t>Hitta på framtida </a:t>
+            </a:r>
+            <a:r>
+              <a:rPr lang="sv-SE" dirty="0" err="1" smtClean="0"/>
+              <a:t>use</a:t>
+            </a:r>
+            <a:r>
+              <a:rPr lang="sv-SE" dirty="0" smtClean="0"/>
+              <a:t> </a:t>
+            </a:r>
+            <a:r>
+              <a:rPr lang="sv-SE" dirty="0" err="1" smtClean="0"/>
+              <a:t>case</a:t>
+            </a:r>
+            <a:r>
+              <a:rPr lang="sv-SE" dirty="0" smtClean="0"/>
+              <a:t>?</a:t>
+            </a:r>
+            <a:endParaRPr lang="sv-SE" baseline="0" dirty="0" smtClean="0"/>
+          </a:p>
+        </p:txBody>
+      </p:sp>
+      <p:sp>
+        <p:nvSpPr>
+          <p:cNvPr id="4" name="Slide Number Placeholder 3"/>
+          <p:cNvSpPr>
+            <a:spLocks noGrp="1"/>
+          </p:cNvSpPr>
+          <p:nvPr>
+            <p:ph type="sldNum" sz="quarter" idx="10"/>
+          </p:nvPr>
+        </p:nvSpPr>
+        <p:spPr/>
+        <p:txBody>
+          <a:bodyPr/>
+          <a:lstStyle/>
+          <a:p>
+            <a:fld id="{F3D1F925-BFA2-264B-AE5B-B0906316BC34}" type="slidenum">
+              <a:rPr lang="en-US" smtClean="0"/>
+              <a:t>25</a:t>
+            </a:fld>
+            <a:endParaRPr lang="en-US"/>
+          </a:p>
+        </p:txBody>
+      </p:sp>
+    </p:spTree>
+    <p:extLst>
+      <p:ext uri="{BB962C8B-B14F-4D97-AF65-F5344CB8AC3E}">
+        <p14:creationId xmlns:p14="http://schemas.microsoft.com/office/powerpoint/2010/main" val="536764255"/>
       </p:ext>
     </p:extLst>
   </p:cSld>
@@ -16520,11 +16626,11 @@
   <p:clrMapOvr>
     <a:masterClrMapping/>
   </p:clrMapOvr>
-  <mc:AlternateContent xmlns:mc="http://schemas.openxmlformats.org/markup-compatibility/2006">
-    <mc:Choice xmlns:p14="http://schemas.microsoft.com/office/powerpoint/2010/main" Requires="p14">
+  <mc:AlternateContent xmlns:mc="http://schemas.openxmlformats.org/markup-compatibility/2006" xmlns:p14="http://schemas.microsoft.com/office/powerpoint/2010/main">
+    <mc:Choice Requires="p14">
       <p:transition spd="slow" p14:dur="2000"/>
     </mc:Choice>
-    <mc:Fallback>
+    <mc:Fallback xmlns="">
       <p:transition spd="slow"/>
     </mc:Fallback>
   </mc:AlternateContent>
@@ -17406,11 +17512,7 @@
             <a:pPr algn="ctr"/>
             <a:r>
               <a:rPr lang="sv-SE" dirty="0" smtClean="0"/>
-              <a:t>Transaktio</a:t>
-            </a:r>
-            <a:r>
-              <a:rPr lang="sv-SE" dirty="0" smtClean="0"/>
-              <a:t>n </a:t>
+              <a:t>Transaktion </a:t>
             </a:r>
             <a:r>
               <a:rPr lang="sv-SE" dirty="0" err="1" smtClean="0"/>
@@ -17815,11 +17917,11 @@
   <p:clrMapOvr>
     <a:masterClrMapping/>
   </p:clrMapOvr>
-  <mc:AlternateContent xmlns:mc="http://schemas.openxmlformats.org/markup-compatibility/2006">
-    <mc:Choice xmlns:p14="http://schemas.microsoft.com/office/powerpoint/2010/main" Requires="p14">
+  <mc:AlternateContent xmlns:mc="http://schemas.openxmlformats.org/markup-compatibility/2006" xmlns:p14="http://schemas.microsoft.com/office/powerpoint/2010/main">
+    <mc:Choice Requires="p14">
       <p:transition spd="slow" p14:dur="2000"/>
     </mc:Choice>
-    <mc:Fallback>
+    <mc:Fallback xmlns="">
       <p:transition spd="slow"/>
     </mc:Fallback>
   </mc:AlternateContent>
@@ -18164,10 +18266,175 @@
               <a:rPr lang="sv-SE" dirty="0" smtClean="0"/>
               <a:t> </a:t>
             </a:r>
-            <a:endParaRPr lang="sv-SE" dirty="0" smtClean="0"/>
-          </a:p>
-        </p:txBody>
-      </p:sp>
+          </a:p>
+        </p:txBody>
+      </p:sp>
+      <p:pic>
+        <p:nvPicPr>
+          <p:cNvPr id="4" name="Bildobjekt 3"/>
+          <p:cNvPicPr>
+            <a:picLocks noChangeAspect="1"/>
+          </p:cNvPicPr>
+          <p:nvPr/>
+        </p:nvPicPr>
+        <p:blipFill>
+          <a:blip r:embed="rId3">
+            <a:extLst>
+              <a:ext uri="{28A0092B-C50C-407E-A947-70E740481C1C}">
+                <a14:useLocalDpi xmlns:a14="http://schemas.microsoft.com/office/drawing/2010/main" val="0"/>
+              </a:ext>
+            </a:extLst>
+          </a:blip>
+          <a:stretch>
+            <a:fillRect/>
+          </a:stretch>
+        </p:blipFill>
+        <p:spPr>
+          <a:xfrm>
+            <a:off x="6303329" y="1271591"/>
+            <a:ext cx="4589141" cy="2413000"/>
+          </a:xfrm>
+          <a:prstGeom prst="rect">
+            <a:avLst/>
+          </a:prstGeom>
+        </p:spPr>
+      </p:pic>
+      <p:cxnSp>
+        <p:nvCxnSpPr>
+          <p:cNvPr id="6" name="Rak pil 5"/>
+          <p:cNvCxnSpPr/>
+          <p:nvPr/>
+        </p:nvCxnSpPr>
+        <p:spPr>
+          <a:xfrm flipV="1">
+            <a:off x="7556500" y="1766090"/>
+            <a:ext cx="850900" cy="1066010"/>
+          </a:xfrm>
+          <a:prstGeom prst="straightConnector1">
+            <a:avLst/>
+          </a:prstGeom>
+          <a:ln w="34925">
+            <a:headEnd type="none"/>
+            <a:tailEnd type="triangle"/>
+          </a:ln>
+        </p:spPr>
+        <p:style>
+          <a:lnRef idx="1">
+            <a:schemeClr val="accent1"/>
+          </a:lnRef>
+          <a:fillRef idx="0">
+            <a:schemeClr val="accent1"/>
+          </a:fillRef>
+          <a:effectRef idx="0">
+            <a:schemeClr val="accent1"/>
+          </a:effectRef>
+          <a:fontRef idx="minor">
+            <a:schemeClr val="tx1"/>
+          </a:fontRef>
+        </p:style>
+      </p:cxnSp>
+      <p:cxnSp>
+        <p:nvCxnSpPr>
+          <p:cNvPr id="9" name="Rak pil 8"/>
+          <p:cNvCxnSpPr/>
+          <p:nvPr/>
+        </p:nvCxnSpPr>
+        <p:spPr>
+          <a:xfrm flipV="1">
+            <a:off x="6921500" y="1677976"/>
+            <a:ext cx="1485900" cy="328624"/>
+          </a:xfrm>
+          <a:prstGeom prst="straightConnector1">
+            <a:avLst/>
+          </a:prstGeom>
+          <a:ln w="34925">
+            <a:headEnd type="none"/>
+            <a:tailEnd type="triangle"/>
+          </a:ln>
+        </p:spPr>
+        <p:style>
+          <a:lnRef idx="1">
+            <a:schemeClr val="accent1"/>
+          </a:lnRef>
+          <a:fillRef idx="0">
+            <a:schemeClr val="accent1"/>
+          </a:fillRef>
+          <a:effectRef idx="0">
+            <a:schemeClr val="accent1"/>
+          </a:effectRef>
+          <a:fontRef idx="minor">
+            <a:schemeClr val="tx1"/>
+          </a:fontRef>
+        </p:style>
+      </p:cxnSp>
+      <p:cxnSp>
+        <p:nvCxnSpPr>
+          <p:cNvPr id="11" name="Rak pil 10"/>
+          <p:cNvCxnSpPr/>
+          <p:nvPr/>
+        </p:nvCxnSpPr>
+        <p:spPr>
+          <a:xfrm flipH="1" flipV="1">
+            <a:off x="8509000" y="1677976"/>
+            <a:ext cx="1358900" cy="693750"/>
+          </a:xfrm>
+          <a:prstGeom prst="straightConnector1">
+            <a:avLst/>
+          </a:prstGeom>
+          <a:ln w="34925">
+            <a:headEnd type="none"/>
+            <a:tailEnd type="triangle"/>
+          </a:ln>
+        </p:spPr>
+        <p:style>
+          <a:lnRef idx="1">
+            <a:schemeClr val="accent1"/>
+          </a:lnRef>
+          <a:fillRef idx="0">
+            <a:schemeClr val="accent1"/>
+          </a:fillRef>
+          <a:effectRef idx="0">
+            <a:schemeClr val="accent1"/>
+          </a:effectRef>
+          <a:fontRef idx="minor">
+            <a:schemeClr val="tx1"/>
+          </a:fontRef>
+        </p:style>
+      </p:cxnSp>
+      <p:cxnSp>
+        <p:nvCxnSpPr>
+          <p:cNvPr id="14" name="Rak pil 13"/>
+          <p:cNvCxnSpPr/>
+          <p:nvPr/>
+        </p:nvCxnSpPr>
+        <p:spPr>
+          <a:xfrm flipH="1" flipV="1">
+            <a:off x="8509000" y="1766090"/>
+            <a:ext cx="203200" cy="915194"/>
+          </a:xfrm>
+          <a:prstGeom prst="straightConnector1">
+            <a:avLst/>
+          </a:prstGeom>
+          <a:ln w="34925">
+            <a:headEnd type="none"/>
+            <a:tailEnd type="triangle"/>
+          </a:ln>
+        </p:spPr>
+        <p:style>
+          <a:lnRef idx="1">
+            <a:schemeClr val="accent1"/>
+          </a:lnRef>
+          <a:fillRef idx="0">
+            <a:schemeClr val="accent1"/>
+          </a:fillRef>
+          <a:effectRef idx="0">
+            <a:schemeClr val="accent1"/>
+          </a:effectRef>
+          <a:fontRef idx="minor">
+            <a:schemeClr val="tx1"/>
+          </a:fontRef>
+        </p:style>
+      </p:cxnSp>
     </p:spTree>
     <p:extLst>
       <p:ext uri="{BB962C8B-B14F-4D97-AF65-F5344CB8AC3E}">
@@ -18178,11 +18445,11 @@
   <p:clrMapOvr>
     <a:masterClrMapping/>
   </p:clrMapOvr>
-  <mc:AlternateContent xmlns:mc="http://schemas.openxmlformats.org/markup-compatibility/2006">
-    <mc:Choice xmlns:p14="http://schemas.microsoft.com/office/powerpoint/2010/main" Requires="p14">
+  <mc:AlternateContent xmlns:mc="http://schemas.openxmlformats.org/markup-compatibility/2006" xmlns:p14="http://schemas.microsoft.com/office/powerpoint/2010/main">
+    <mc:Choice Requires="p14">
       <p:transition spd="slow" p14:dur="2000"/>
     </mc:Choice>
-    <mc:Fallback>
+    <mc:Fallback xmlns="">
       <p:transition spd="slow"/>
     </mc:Fallback>
   </mc:AlternateContent>
@@ -19047,7 +19314,7 @@
         <p:spPr>
           <a:xfrm>
             <a:off x="539750" y="1765300"/>
-            <a:ext cx="10885488" cy="646331"/>
+            <a:ext cx="10885488" cy="1200329"/>
           </a:xfrm>
           <a:prstGeom prst="rect">
             <a:avLst/>
@@ -19087,9 +19354,51 @@
               <a:rPr lang="sv-SE" dirty="0" err="1" smtClean="0"/>
               <a:t>Flexibility</a:t>
             </a:r>
+            <a:endParaRPr lang="sv-SE" dirty="0" smtClean="0"/>
+          </a:p>
+          <a:p>
+            <a:pPr marL="285750" indent="-285750">
+              <a:buFont typeface="Arial" charset="0"/>
+              <a:buChar char="•"/>
+            </a:pPr>
+            <a:r>
+              <a:rPr lang="sv-SE" dirty="0" err="1" smtClean="0"/>
+              <a:t>Scalability</a:t>
+            </a:r>
             <a:r>
               <a:rPr lang="sv-SE" dirty="0" smtClean="0"/>
-              <a:t> etc.</a:t>
+              <a:t> </a:t>
+            </a:r>
+            <a:r>
+              <a:rPr lang="sv-SE" dirty="0" err="1" smtClean="0"/>
+              <a:t>through</a:t>
+            </a:r>
+            <a:r>
+              <a:rPr lang="sv-SE" dirty="0" smtClean="0"/>
+              <a:t> Kafka cluster in </a:t>
+            </a:r>
+            <a:r>
+              <a:rPr lang="sv-SE" dirty="0" err="1" smtClean="0"/>
+              <a:t>place</a:t>
+            </a:r>
+            <a:endParaRPr lang="sv-SE" dirty="0" smtClean="0"/>
+          </a:p>
+          <a:p>
+            <a:pPr marL="285750" indent="-285750">
+              <a:buFont typeface="Arial" charset="0"/>
+              <a:buChar char="•"/>
+            </a:pPr>
+            <a:r>
+              <a:rPr lang="sv-SE" dirty="0" smtClean="0"/>
+              <a:t>Business </a:t>
+            </a:r>
+            <a:r>
+              <a:rPr lang="sv-SE" dirty="0" err="1" smtClean="0"/>
+              <a:t>growth</a:t>
+            </a:r>
+            <a:r>
+              <a:rPr lang="sv-SE" dirty="0" smtClean="0"/>
+              <a:t> </a:t>
             </a:r>
             <a:endParaRPr lang="sv-SE" dirty="0"/>
           </a:p>
@@ -19125,6 +19434,36 @@
           <a:chExt cx="0" cy="0"/>
         </a:xfrm>
       </p:grpSpPr>
+      <p:pic>
+        <p:nvPicPr>
+          <p:cNvPr id="6" name="Bildobjekt 5"/>
+          <p:cNvPicPr>
+            <a:picLocks noChangeAspect="1"/>
+          </p:cNvPicPr>
+          <p:nvPr/>
+        </p:nvPicPr>
+        <p:blipFill>
+          <a:blip r:embed="rId3">
+            <a:extLst>
+              <a:ext uri="{28A0092B-C50C-407E-A947-70E740481C1C}">
+                <a14:useLocalDpi xmlns:a14="http://schemas.microsoft.com/office/drawing/2010/main" val="0"/>
+              </a:ext>
+            </a:extLst>
+          </a:blip>
+          <a:stretch>
+            <a:fillRect/>
+          </a:stretch>
+        </p:blipFill>
+        <p:spPr>
+          <a:xfrm>
+            <a:off x="4776409" y="1502693"/>
+            <a:ext cx="1931965" cy="1931965"/>
+          </a:xfrm>
+          <a:prstGeom prst="rect">
+            <a:avLst/>
+          </a:prstGeom>
+        </p:spPr>
+      </p:pic>
       <p:sp>
         <p:nvSpPr>
           <p:cNvPr id="42" name="Rektangel 41"/>
@@ -19133,7 +19472,7 @@
         </p:nvSpPr>
         <p:spPr>
           <a:xfrm>
-            <a:off x="1686115" y="4483168"/>
+            <a:off x="1571815" y="4549145"/>
             <a:ext cx="3358275" cy="1612925"/>
           </a:xfrm>
           <a:prstGeom prst="rect">
@@ -19185,6 +19524,7 @@
           <a:prstGeom prst="rect">
             <a:avLst/>
           </a:prstGeom>
+          <a:noFill/>
           <a:ln/>
         </p:spPr>
         <p:style>
@@ -19258,208 +19598,18 @@
           </a:p>
         </p:txBody>
       </p:sp>
-      <p:grpSp>
-        <p:nvGrpSpPr>
-          <p:cNvPr id="16" name="Group 15"/>
-          <p:cNvGrpSpPr/>
-          <p:nvPr/>
-        </p:nvGrpSpPr>
-        <p:grpSpPr>
-          <a:xfrm>
-            <a:off x="5349672" y="2382910"/>
-            <a:ext cx="816941" cy="816941"/>
-            <a:chOff x="1643062" y="2440608"/>
-            <a:chExt cx="816941" cy="816941"/>
-          </a:xfrm>
-        </p:grpSpPr>
-        <p:grpSp>
-          <p:nvGrpSpPr>
-            <p:cNvPr id="17" name="Group 16"/>
-            <p:cNvGrpSpPr/>
-            <p:nvPr/>
-          </p:nvGrpSpPr>
-          <p:grpSpPr>
-            <a:xfrm>
-              <a:off x="1730120" y="2539009"/>
-              <a:ext cx="641606" cy="618527"/>
-              <a:chOff x="8115300" y="3729770"/>
-              <a:chExt cx="1320615" cy="1047970"/>
-            </a:xfrm>
-          </p:grpSpPr>
-          <p:sp>
-            <p:nvSpPr>
-              <p:cNvPr id="19" name="Curved Right Arrow 18"/>
-              <p:cNvSpPr/>
-              <p:nvPr/>
-            </p:nvSpPr>
-            <p:spPr>
-              <a:xfrm>
-                <a:off x="8115300" y="3746500"/>
-                <a:ext cx="624840" cy="1031240"/>
-              </a:xfrm>
-              <a:prstGeom prst="curvedRightArrow">
-                <a:avLst>
-                  <a:gd name="adj1" fmla="val 47050"/>
-                  <a:gd name="adj2" fmla="val 47050"/>
-                  <a:gd name="adj3" fmla="val 29390"/>
-                </a:avLst>
-              </a:prstGeom>
-              <a:solidFill>
-                <a:schemeClr val="accent1">
-                  <a:alpha val="33000"/>
-                </a:schemeClr>
-              </a:solidFill>
-              <a:ln>
-                <a:solidFill>
-                  <a:schemeClr val="bg1"/>
-                </a:solidFill>
-              </a:ln>
-            </p:spPr>
-            <p:style>
-              <a:lnRef idx="2">
-                <a:schemeClr val="accent1">
-                  <a:shade val="50000"/>
-                </a:schemeClr>
-              </a:lnRef>
-              <a:fillRef idx="1">
-                <a:schemeClr val="accent1"/>
-              </a:fillRef>
-              <a:effectRef idx="0">
-                <a:schemeClr val="accent1"/>
-              </a:effectRef>
-              <a:fontRef idx="minor">
-                <a:schemeClr val="lt1"/>
-              </a:fontRef>
-            </p:style>
-            <p:txBody>
-              <a:bodyPr rtlCol="0" anchor="ctr"/>
-              <a:lstStyle/>
-              <a:p>
-                <a:pPr algn="ctr"/>
-                <a:endParaRPr lang="sv-SE">
-                  <a:solidFill>
-                    <a:schemeClr val="tx1"/>
-                  </a:solidFill>
-                </a:endParaRPr>
-              </a:p>
-            </p:txBody>
-          </p:sp>
-          <p:sp>
-            <p:nvSpPr>
-              <p:cNvPr id="20" name="Curved Right Arrow 19"/>
-              <p:cNvSpPr/>
-              <p:nvPr/>
-            </p:nvSpPr>
-            <p:spPr>
-              <a:xfrm rot="10800000">
-                <a:off x="8766541" y="3729770"/>
-                <a:ext cx="669374" cy="1031240"/>
-              </a:xfrm>
-              <a:prstGeom prst="curvedRightArrow">
-                <a:avLst>
-                  <a:gd name="adj1" fmla="val 47050"/>
-                  <a:gd name="adj2" fmla="val 47050"/>
-                  <a:gd name="adj3" fmla="val 29390"/>
-                </a:avLst>
-              </a:prstGeom>
-              <a:solidFill>
-                <a:schemeClr val="accent1">
-                  <a:alpha val="33000"/>
-                </a:schemeClr>
-              </a:solidFill>
-              <a:ln>
-                <a:solidFill>
-                  <a:schemeClr val="bg1"/>
-                </a:solidFill>
-              </a:ln>
-            </p:spPr>
-            <p:style>
-              <a:lnRef idx="2">
-                <a:schemeClr val="accent1">
-                  <a:shade val="50000"/>
-                </a:schemeClr>
-              </a:lnRef>
-              <a:fillRef idx="1">
-                <a:schemeClr val="accent1"/>
-              </a:fillRef>
-              <a:effectRef idx="0">
-                <a:schemeClr val="accent1"/>
-              </a:effectRef>
-              <a:fontRef idx="minor">
-                <a:schemeClr val="lt1"/>
-              </a:fontRef>
-            </p:style>
-            <p:txBody>
-              <a:bodyPr rtlCol="0" anchor="ctr"/>
-              <a:lstStyle/>
-              <a:p>
-                <a:pPr algn="ctr"/>
-                <a:endParaRPr lang="sv-SE" dirty="0">
-                  <a:solidFill>
-                    <a:schemeClr val="tx1"/>
-                  </a:solidFill>
-                </a:endParaRPr>
-              </a:p>
-            </p:txBody>
-          </p:sp>
-        </p:grpSp>
-        <p:sp>
-          <p:nvSpPr>
-            <p:cNvPr id="18" name="Oval 17"/>
-            <p:cNvSpPr/>
-            <p:nvPr/>
-          </p:nvSpPr>
-          <p:spPr>
-            <a:xfrm>
-              <a:off x="1643062" y="2440608"/>
-              <a:ext cx="816941" cy="816941"/>
-            </a:xfrm>
-            <a:prstGeom prst="ellipse">
-              <a:avLst/>
-            </a:prstGeom>
-            <a:noFill/>
-            <a:ln w="25400">
-              <a:solidFill>
-                <a:schemeClr val="accent1"/>
-              </a:solidFill>
-            </a:ln>
-          </p:spPr>
-          <p:style>
-            <a:lnRef idx="2">
-              <a:schemeClr val="accent1">
-                <a:shade val="50000"/>
-              </a:schemeClr>
-            </a:lnRef>
-            <a:fillRef idx="1">
-              <a:schemeClr val="accent1"/>
-            </a:fillRef>
-            <a:effectRef idx="0">
-              <a:schemeClr val="accent1"/>
-            </a:effectRef>
-            <a:fontRef idx="minor">
-              <a:schemeClr val="lt1"/>
-            </a:fontRef>
-          </p:style>
-          <p:txBody>
-            <a:bodyPr rtlCol="0" anchor="ctr"/>
-            <a:lstStyle/>
-            <a:p>
-              <a:pPr algn="ctr"/>
-              <a:endParaRPr lang="sv-SE"/>
-            </a:p>
-          </p:txBody>
-        </p:sp>
-      </p:grpSp>
       <p:cxnSp>
         <p:nvCxnSpPr>
           <p:cNvPr id="38" name="Straight Arrow Connector 37"/>
-          <p:cNvCxnSpPr/>
+          <p:cNvCxnSpPr>
+            <a:stCxn id="6" idx="3"/>
+          </p:cNvCxnSpPr>
           <p:nvPr/>
         </p:nvCxnSpPr>
         <p:spPr>
           <a:xfrm>
-            <a:off x="6183959" y="2558162"/>
-            <a:ext cx="3412046" cy="18458"/>
+            <a:off x="6708374" y="2468676"/>
+            <a:ext cx="2824220" cy="8763"/>
           </a:xfrm>
           <a:prstGeom prst="straightConnector1">
             <a:avLst/>
@@ -19486,13 +19636,15 @@
       <p:cxnSp>
         <p:nvCxnSpPr>
           <p:cNvPr id="47" name="Straight Arrow Connector 46"/>
-          <p:cNvCxnSpPr/>
+          <p:cNvCxnSpPr>
+            <a:endCxn id="6" idx="1"/>
+          </p:cNvCxnSpPr>
           <p:nvPr/>
         </p:nvCxnSpPr>
         <p:spPr>
           <a:xfrm flipV="1">
-            <a:off x="2243281" y="2517145"/>
-            <a:ext cx="3030799" cy="632"/>
+            <a:off x="2243281" y="2468676"/>
+            <a:ext cx="2533128" cy="23701"/>
           </a:xfrm>
           <a:prstGeom prst="straightConnector1">
             <a:avLst/>
@@ -19562,7 +19714,7 @@
         </p:nvSpPr>
         <p:spPr>
           <a:xfrm>
-            <a:off x="2243281" y="4679948"/>
+            <a:off x="2128981" y="4745925"/>
             <a:ext cx="2243944" cy="1152728"/>
           </a:xfrm>
           <a:prstGeom prst="rect">
@@ -19753,78 +19905,6 @@
               </a:rPr>
               <a:t> store</a:t>
             </a:r>
-          </a:p>
-        </p:txBody>
-      </p:sp>
-      <p:sp>
-        <p:nvSpPr>
-          <p:cNvPr id="28" name="textruta 27"/>
-          <p:cNvSpPr txBox="1"/>
-          <p:nvPr/>
-        </p:nvSpPr>
-        <p:spPr>
-          <a:xfrm>
-            <a:off x="2348124" y="2084669"/>
-            <a:ext cx="2505814" cy="369332"/>
-          </a:xfrm>
-          <a:prstGeom prst="rect">
-            <a:avLst/>
-          </a:prstGeom>
-          <a:noFill/>
-        </p:spPr>
-        <p:txBody>
-          <a:bodyPr wrap="none" rtlCol="0">
-            <a:spAutoFit/>
-          </a:bodyPr>
-          <a:lstStyle/>
-          <a:p>
-            <a:r>
-              <a:rPr lang="sv-SE" dirty="0" err="1" smtClean="0"/>
-              <a:t>Incomming</a:t>
-            </a:r>
-            <a:r>
-              <a:rPr lang="sv-SE" dirty="0" smtClean="0"/>
-              <a:t> </a:t>
-            </a:r>
-            <a:r>
-              <a:rPr lang="sv-SE" dirty="0" err="1" smtClean="0"/>
-              <a:t>transaction</a:t>
-            </a:r>
-            <a:endParaRPr lang="sv-SE" dirty="0"/>
-          </a:p>
-        </p:txBody>
-      </p:sp>
-      <p:sp>
-        <p:nvSpPr>
-          <p:cNvPr id="52" name="textruta 51"/>
-          <p:cNvSpPr txBox="1"/>
-          <p:nvPr/>
-        </p:nvSpPr>
-        <p:spPr>
-          <a:xfrm>
-            <a:off x="7070504" y="2135926"/>
-            <a:ext cx="1723549" cy="369332"/>
-          </a:xfrm>
-          <a:prstGeom prst="rect">
-            <a:avLst/>
-          </a:prstGeom>
-          <a:noFill/>
-        </p:spPr>
-        <p:txBody>
-          <a:bodyPr wrap="none" rtlCol="0">
-            <a:spAutoFit/>
-          </a:bodyPr>
-          <a:lstStyle/>
-          <a:p>
-            <a:r>
-              <a:rPr lang="sv-SE" dirty="0" err="1" smtClean="0"/>
-              <a:t>Approval</a:t>
-            </a:r>
-            <a:r>
-              <a:rPr lang="sv-SE" dirty="0" smtClean="0"/>
-              <a:t> event</a:t>
-            </a:r>
-            <a:endParaRPr lang="sv-SE" dirty="0"/>
           </a:p>
         </p:txBody>
       </p:sp>
@@ -19958,9 +20038,9 @@
           <p:nvPr/>
         </p:nvCxnSpPr>
         <p:spPr>
-          <a:xfrm flipH="1" flipV="1">
-            <a:off x="3260595" y="3858113"/>
-            <a:ext cx="104658" cy="821835"/>
+          <a:xfrm flipV="1">
+            <a:off x="3250953" y="3858113"/>
+            <a:ext cx="9642" cy="887812"/>
           </a:xfrm>
           <a:prstGeom prst="straightConnector1">
             <a:avLst/>
@@ -19984,40 +20064,6 @@
           </a:fontRef>
         </p:style>
       </p:cxnSp>
-      <p:sp>
-        <p:nvSpPr>
-          <p:cNvPr id="10" name="textruta 9"/>
-          <p:cNvSpPr txBox="1"/>
-          <p:nvPr/>
-        </p:nvSpPr>
-        <p:spPr>
-          <a:xfrm>
-            <a:off x="2712985" y="3870132"/>
-            <a:ext cx="1301988" cy="646331"/>
-          </a:xfrm>
-          <a:prstGeom prst="rect">
-            <a:avLst/>
-          </a:prstGeom>
-          <a:noFill/>
-        </p:spPr>
-        <p:txBody>
-          <a:bodyPr wrap="square" rtlCol="0">
-            <a:spAutoFit/>
-          </a:bodyPr>
-          <a:lstStyle/>
-          <a:p>
-            <a:r>
-              <a:rPr lang="sv-SE" dirty="0" err="1" smtClean="0"/>
-              <a:t>Customer</a:t>
-            </a:r>
-            <a:r>
-              <a:rPr lang="sv-SE" dirty="0" smtClean="0"/>
-              <a:t> events</a:t>
-            </a:r>
-            <a:endParaRPr lang="sv-SE" dirty="0"/>
-          </a:p>
-        </p:txBody>
-      </p:sp>
       <p:cxnSp>
         <p:nvCxnSpPr>
           <p:cNvPr id="36" name="Straight Arrow Connector 46"/>
@@ -20028,8 +20074,8 @@
         </p:nvCxnSpPr>
         <p:spPr>
           <a:xfrm flipV="1">
-            <a:off x="4128738" y="2947051"/>
-            <a:ext cx="1117550" cy="455530"/>
+            <a:off x="4128738" y="2947049"/>
+            <a:ext cx="915652" cy="455532"/>
           </a:xfrm>
           <a:prstGeom prst="straightConnector1">
             <a:avLst/>
@@ -20180,8 +20226,8 @@
         </p:nvCxnSpPr>
         <p:spPr>
           <a:xfrm flipV="1">
-            <a:off x="5244596" y="3035812"/>
-            <a:ext cx="268284" cy="394098"/>
+            <a:off x="5244596" y="2947049"/>
+            <a:ext cx="203654" cy="482861"/>
           </a:xfrm>
           <a:prstGeom prst="straightConnector1">
             <a:avLst/>
@@ -20208,16 +20254,13 @@
       <p:cxnSp>
         <p:nvCxnSpPr>
           <p:cNvPr id="58" name="Straight Arrow Connector 37"/>
-          <p:cNvCxnSpPr>
-            <a:stCxn id="18" idx="6"/>
-            <a:endCxn id="68" idx="1"/>
-          </p:cNvCxnSpPr>
+          <p:cNvCxnSpPr/>
           <p:nvPr/>
         </p:nvCxnSpPr>
         <p:spPr>
           <a:xfrm>
-            <a:off x="6166613" y="2791381"/>
-            <a:ext cx="4363656" cy="1513284"/>
+            <a:off x="6556755" y="2827243"/>
+            <a:ext cx="3973514" cy="1504247"/>
           </a:xfrm>
           <a:prstGeom prst="straightConnector1">
             <a:avLst/>
@@ -20251,8 +20294,8 @@
         </p:nvCxnSpPr>
         <p:spPr>
           <a:xfrm>
-            <a:off x="6177369" y="2803521"/>
-            <a:ext cx="4332282" cy="672853"/>
+            <a:off x="6661866" y="2720215"/>
+            <a:ext cx="3847785" cy="756159"/>
           </a:xfrm>
           <a:prstGeom prst="straightConnector1">
             <a:avLst/>
@@ -20440,15 +20483,14 @@
         <p:nvCxnSpPr>
           <p:cNvPr id="37" name="Straight Arrow Connector 37"/>
           <p:cNvCxnSpPr>
-            <a:stCxn id="18" idx="6"/>
             <a:endCxn id="40" idx="1"/>
           </p:cNvCxnSpPr>
           <p:nvPr/>
         </p:nvCxnSpPr>
         <p:spPr>
           <a:xfrm>
-            <a:off x="6166613" y="2791381"/>
-            <a:ext cx="4358725" cy="2380469"/>
+            <a:off x="6434594" y="2929758"/>
+            <a:ext cx="4090744" cy="2242092"/>
           </a:xfrm>
           <a:prstGeom prst="straightConnector1">
             <a:avLst/>
@@ -20551,6 +20593,1145 @@
   <p:clrMapOvr>
     <a:masterClrMapping/>
   </p:clrMapOvr>
+  <p:timing>
+    <p:tnLst>
+      <p:par>
+        <p:cTn id="1" dur="indefinite" restart="never" nodeType="tmRoot"/>
+      </p:par>
+    </p:tnLst>
+  </p:timing>
+</p:sld>
+</file>
+
+<file path=ppt/slides/slide25.xml><?xml version="1.0" encoding="utf-8"?>
+<p:sld xmlns:a="http://schemas.openxmlformats.org/drawingml/2006/main" xmlns:r="http://schemas.openxmlformats.org/officeDocument/2006/relationships" xmlns:p="http://schemas.openxmlformats.org/presentationml/2006/main">
+  <p:cSld>
+    <p:spTree>
+      <p:nvGrpSpPr>
+        <p:cNvPr id="1" name=""/>
+        <p:cNvGrpSpPr/>
+        <p:nvPr/>
+      </p:nvGrpSpPr>
+      <p:grpSpPr>
+        <a:xfrm>
+          <a:off x="0" y="0"/>
+          <a:ext cx="0" cy="0"/>
+          <a:chOff x="0" y="0"/>
+          <a:chExt cx="0" cy="0"/>
+        </a:xfrm>
+      </p:grpSpPr>
+      <p:pic>
+        <p:nvPicPr>
+          <p:cNvPr id="29" name="Bildobjekt 28"/>
+          <p:cNvPicPr>
+            <a:picLocks noChangeAspect="1"/>
+          </p:cNvPicPr>
+          <p:nvPr/>
+        </p:nvPicPr>
+        <p:blipFill>
+          <a:blip r:embed="rId3">
+            <a:extLst>
+              <a:ext uri="{28A0092B-C50C-407E-A947-70E740481C1C}">
+                <a14:useLocalDpi xmlns:a14="http://schemas.microsoft.com/office/drawing/2010/main" val="0"/>
+              </a:ext>
+            </a:extLst>
+          </a:blip>
+          <a:stretch>
+            <a:fillRect/>
+          </a:stretch>
+        </p:blipFill>
+        <p:spPr>
+          <a:xfrm>
+            <a:off x="4596166" y="968752"/>
+            <a:ext cx="1716978" cy="1716978"/>
+          </a:xfrm>
+          <a:prstGeom prst="rect">
+            <a:avLst/>
+          </a:prstGeom>
+        </p:spPr>
+      </p:pic>
+      <p:sp>
+        <p:nvSpPr>
+          <p:cNvPr id="5" name="Platshållare för innehåll 2"/>
+          <p:cNvSpPr txBox="1">
+            <a:spLocks/>
+          </p:cNvSpPr>
+          <p:nvPr/>
+        </p:nvSpPr>
+        <p:spPr>
+          <a:xfrm>
+            <a:off x="774700" y="1585914"/>
+            <a:ext cx="9461500" cy="4192588"/>
+          </a:xfrm>
+          <a:prstGeom prst="rect">
+            <a:avLst/>
+          </a:prstGeom>
+        </p:spPr>
+        <p:txBody>
+          <a:bodyPr/>
+          <a:lstStyle>
+            <a:lvl1pPr marL="228600" indent="-228600" algn="l" defTabSz="914400" rtl="0" eaLnBrk="1" latinLnBrk="0" hangingPunct="1">
+              <a:lnSpc>
+                <a:spcPct val="130000"/>
+              </a:lnSpc>
+              <a:spcBef>
+                <a:spcPts val="1000"/>
+              </a:spcBef>
+              <a:buFont typeface="Wingdings" charset="2"/>
+              <a:buChar char="§"/>
+              <a:defRPr sz="1800" kern="1200" baseline="0">
+                <a:solidFill>
+                  <a:schemeClr val="tx1"/>
+                </a:solidFill>
+                <a:latin typeface="arial" charset="0"/>
+                <a:ea typeface="Gotham HTF Book" charset="0"/>
+                <a:cs typeface="Gotham HTF Book" charset="0"/>
+              </a:defRPr>
+            </a:lvl1pPr>
+            <a:lvl2pPr marL="685800" indent="-228600" algn="l" defTabSz="914400" rtl="0" eaLnBrk="1" latinLnBrk="0" hangingPunct="1">
+              <a:lnSpc>
+                <a:spcPct val="130000"/>
+              </a:lnSpc>
+              <a:spcBef>
+                <a:spcPts val="500"/>
+              </a:spcBef>
+              <a:buFont typeface="Wingdings" charset="2"/>
+              <a:buChar char="§"/>
+              <a:defRPr sz="1600" kern="1200" baseline="0">
+                <a:solidFill>
+                  <a:schemeClr val="tx1"/>
+                </a:solidFill>
+                <a:latin typeface="arial" charset="0"/>
+                <a:ea typeface="Gotham HTF Book" charset="0"/>
+                <a:cs typeface="Gotham HTF Book" charset="0"/>
+              </a:defRPr>
+            </a:lvl2pPr>
+            <a:lvl3pPr marL="912813" marR="0" indent="-227013" algn="l" defTabSz="912813" rtl="0" eaLnBrk="1" fontAlgn="base" latinLnBrk="0" hangingPunct="1">
+              <a:lnSpc>
+                <a:spcPct val="100000"/>
+              </a:lnSpc>
+              <a:spcBef>
+                <a:spcPts val="388"/>
+              </a:spcBef>
+              <a:spcAft>
+                <a:spcPct val="0"/>
+              </a:spcAft>
+              <a:buClr>
+                <a:srgbClr val="04617B"/>
+              </a:buClr>
+              <a:buSzTx/>
+              <a:buFont typeface="Arial" charset="0"/>
+              <a:buChar char="–"/>
+              <a:tabLst/>
+              <a:defRPr sz="1000" kern="1200" baseline="0">
+                <a:solidFill>
+                  <a:schemeClr val="tx1"/>
+                </a:solidFill>
+                <a:latin typeface="arial" charset="0"/>
+                <a:ea typeface="Gotham HTF Book" charset="0"/>
+                <a:cs typeface="Gotham HTF Book" charset="0"/>
+              </a:defRPr>
+            </a:lvl3pPr>
+            <a:lvl4pPr marL="1374775" marR="0" indent="-231775" algn="l" defTabSz="912813" rtl="0" eaLnBrk="1" fontAlgn="base" latinLnBrk="0" hangingPunct="1">
+              <a:lnSpc>
+                <a:spcPct val="100000"/>
+              </a:lnSpc>
+              <a:spcBef>
+                <a:spcPts val="388"/>
+              </a:spcBef>
+              <a:spcAft>
+                <a:spcPct val="0"/>
+              </a:spcAft>
+              <a:buClr>
+                <a:srgbClr val="04617B"/>
+              </a:buClr>
+              <a:buSzTx/>
+              <a:buFont typeface="Arial" charset="0"/>
+              <a:buChar char="–"/>
+              <a:tabLst/>
+              <a:defRPr sz="1000" kern="1200" baseline="0">
+                <a:solidFill>
+                  <a:schemeClr val="tx1"/>
+                </a:solidFill>
+                <a:latin typeface="arial" charset="0"/>
+                <a:ea typeface="Gotham HTF Book" charset="0"/>
+                <a:cs typeface="Gotham HTF Book" charset="0"/>
+              </a:defRPr>
+            </a:lvl4pPr>
+            <a:lvl5pPr marL="2057400" marR="0" indent="-228600" algn="l" defTabSz="912813" rtl="0" eaLnBrk="1" fontAlgn="base" latinLnBrk="0" hangingPunct="1">
+              <a:lnSpc>
+                <a:spcPct val="100000"/>
+              </a:lnSpc>
+              <a:spcBef>
+                <a:spcPts val="388"/>
+              </a:spcBef>
+              <a:spcAft>
+                <a:spcPct val="0"/>
+              </a:spcAft>
+              <a:buClr>
+                <a:srgbClr val="04617B"/>
+              </a:buClr>
+              <a:buSzTx/>
+              <a:buFont typeface="Arial" charset="0"/>
+              <a:buChar char="–"/>
+              <a:tabLst/>
+              <a:defRPr sz="2000" kern="1200" baseline="0">
+                <a:solidFill>
+                  <a:schemeClr val="tx1"/>
+                </a:solidFill>
+                <a:latin typeface="arial" charset="0"/>
+                <a:ea typeface="Gotham HTF Book" charset="0"/>
+                <a:cs typeface="Gotham HTF Book" charset="0"/>
+              </a:defRPr>
+            </a:lvl5pPr>
+            <a:lvl6pPr marL="2514600" indent="-228600" algn="l" defTabSz="914400" rtl="0" eaLnBrk="1" latinLnBrk="0" hangingPunct="1">
+              <a:lnSpc>
+                <a:spcPct val="90000"/>
+              </a:lnSpc>
+              <a:spcBef>
+                <a:spcPts val="500"/>
+              </a:spcBef>
+              <a:buFont typeface="Arial"/>
+              <a:buChar char="•"/>
+              <a:defRPr sz="1800" kern="1200">
+                <a:solidFill>
+                  <a:schemeClr val="tx1"/>
+                </a:solidFill>
+                <a:latin typeface="+mn-lt"/>
+                <a:ea typeface="+mn-ea"/>
+                <a:cs typeface="+mn-cs"/>
+              </a:defRPr>
+            </a:lvl6pPr>
+            <a:lvl7pPr marL="2971800" indent="-228600" algn="l" defTabSz="914400" rtl="0" eaLnBrk="1" latinLnBrk="0" hangingPunct="1">
+              <a:lnSpc>
+                <a:spcPct val="90000"/>
+              </a:lnSpc>
+              <a:spcBef>
+                <a:spcPts val="500"/>
+              </a:spcBef>
+              <a:buFont typeface="Arial"/>
+              <a:buChar char="•"/>
+              <a:defRPr sz="1800" kern="1200">
+                <a:solidFill>
+                  <a:schemeClr val="tx1"/>
+                </a:solidFill>
+                <a:latin typeface="+mn-lt"/>
+                <a:ea typeface="+mn-ea"/>
+                <a:cs typeface="+mn-cs"/>
+              </a:defRPr>
+            </a:lvl7pPr>
+            <a:lvl8pPr marL="3429000" indent="-228600" algn="l" defTabSz="914400" rtl="0" eaLnBrk="1" latinLnBrk="0" hangingPunct="1">
+              <a:lnSpc>
+                <a:spcPct val="90000"/>
+              </a:lnSpc>
+              <a:spcBef>
+                <a:spcPts val="500"/>
+              </a:spcBef>
+              <a:buFont typeface="Arial"/>
+              <a:buChar char="•"/>
+              <a:defRPr sz="1800" kern="1200">
+                <a:solidFill>
+                  <a:schemeClr val="tx1"/>
+                </a:solidFill>
+                <a:latin typeface="+mn-lt"/>
+                <a:ea typeface="+mn-ea"/>
+                <a:cs typeface="+mn-cs"/>
+              </a:defRPr>
+            </a:lvl8pPr>
+            <a:lvl9pPr marL="3886200" indent="-228600" algn="l" defTabSz="914400" rtl="0" eaLnBrk="1" latinLnBrk="0" hangingPunct="1">
+              <a:lnSpc>
+                <a:spcPct val="90000"/>
+              </a:lnSpc>
+              <a:spcBef>
+                <a:spcPts val="500"/>
+              </a:spcBef>
+              <a:buFont typeface="Arial"/>
+              <a:buChar char="•"/>
+              <a:defRPr sz="1800" kern="1200">
+                <a:solidFill>
+                  <a:schemeClr val="tx1"/>
+                </a:solidFill>
+                <a:latin typeface="+mn-lt"/>
+                <a:ea typeface="+mn-ea"/>
+                <a:cs typeface="+mn-cs"/>
+              </a:defRPr>
+            </a:lvl9pPr>
+          </a:lstStyle>
+          <a:p>
+            <a:endParaRPr lang="sv-SE" dirty="0" smtClean="0"/>
+          </a:p>
+          <a:p>
+            <a:endParaRPr lang="sv-SE" dirty="0" smtClean="0"/>
+          </a:p>
+        </p:txBody>
+      </p:sp>
+      <p:sp>
+        <p:nvSpPr>
+          <p:cNvPr id="8" name="Rectangle 29"/>
+          <p:cNvSpPr/>
+          <p:nvPr/>
+        </p:nvSpPr>
+        <p:spPr>
+          <a:xfrm>
+            <a:off x="1178161" y="2241118"/>
+            <a:ext cx="1973223" cy="800100"/>
+          </a:xfrm>
+          <a:prstGeom prst="rect">
+            <a:avLst/>
+          </a:prstGeom>
+          <a:solidFill>
+            <a:schemeClr val="accent1"/>
+          </a:solidFill>
+          <a:ln w="38100">
+            <a:noFill/>
+          </a:ln>
+        </p:spPr>
+        <p:style>
+          <a:lnRef idx="2">
+            <a:schemeClr val="accent1">
+              <a:shade val="50000"/>
+            </a:schemeClr>
+          </a:lnRef>
+          <a:fillRef idx="1">
+            <a:schemeClr val="accent1"/>
+          </a:fillRef>
+          <a:effectRef idx="0">
+            <a:schemeClr val="accent1"/>
+          </a:effectRef>
+          <a:fontRef idx="minor">
+            <a:schemeClr val="lt1"/>
+          </a:fontRef>
+        </p:style>
+        <p:txBody>
+          <a:bodyPr rtlCol="0" anchor="ctr"/>
+          <a:lstStyle/>
+          <a:p>
+            <a:pPr algn="ctr"/>
+            <a:r>
+              <a:rPr lang="sv-SE" dirty="0" smtClean="0">
+                <a:solidFill>
+                  <a:schemeClr val="tx1"/>
+                </a:solidFill>
+              </a:rPr>
+              <a:t>KYC</a:t>
+            </a:r>
+            <a:endParaRPr lang="sv-SE" dirty="0">
+              <a:solidFill>
+                <a:schemeClr val="tx1"/>
+              </a:solidFill>
+            </a:endParaRPr>
+          </a:p>
+        </p:txBody>
+      </p:sp>
+      <p:sp>
+        <p:nvSpPr>
+          <p:cNvPr id="9" name="Rectangle 29"/>
+          <p:cNvSpPr/>
+          <p:nvPr/>
+        </p:nvSpPr>
+        <p:spPr>
+          <a:xfrm>
+            <a:off x="3360310" y="2241118"/>
+            <a:ext cx="1973223" cy="800100"/>
+          </a:xfrm>
+          <a:prstGeom prst="rect">
+            <a:avLst/>
+          </a:prstGeom>
+          <a:solidFill>
+            <a:schemeClr val="accent1"/>
+          </a:solidFill>
+          <a:ln w="38100">
+            <a:noFill/>
+          </a:ln>
+        </p:spPr>
+        <p:style>
+          <a:lnRef idx="2">
+            <a:schemeClr val="accent1">
+              <a:shade val="50000"/>
+            </a:schemeClr>
+          </a:lnRef>
+          <a:fillRef idx="1">
+            <a:schemeClr val="accent1"/>
+          </a:fillRef>
+          <a:effectRef idx="0">
+            <a:schemeClr val="accent1"/>
+          </a:effectRef>
+          <a:fontRef idx="minor">
+            <a:schemeClr val="lt1"/>
+          </a:fontRef>
+        </p:style>
+        <p:txBody>
+          <a:bodyPr rtlCol="0" anchor="ctr"/>
+          <a:lstStyle/>
+          <a:p>
+            <a:pPr algn="ctr"/>
+            <a:r>
+              <a:rPr lang="sv-SE" dirty="0" smtClean="0">
+                <a:solidFill>
+                  <a:schemeClr val="tx1"/>
+                </a:solidFill>
+              </a:rPr>
+              <a:t>Risk-scores</a:t>
+            </a:r>
+            <a:endParaRPr lang="sv-SE" dirty="0">
+              <a:solidFill>
+                <a:schemeClr val="tx1"/>
+              </a:solidFill>
+            </a:endParaRPr>
+          </a:p>
+        </p:txBody>
+      </p:sp>
+      <p:sp>
+        <p:nvSpPr>
+          <p:cNvPr id="11" name="Rectangle 29"/>
+          <p:cNvSpPr/>
+          <p:nvPr/>
+        </p:nvSpPr>
+        <p:spPr>
+          <a:xfrm>
+            <a:off x="5491659" y="2241118"/>
+            <a:ext cx="1973223" cy="800100"/>
+          </a:xfrm>
+          <a:prstGeom prst="rect">
+            <a:avLst/>
+          </a:prstGeom>
+          <a:solidFill>
+            <a:schemeClr val="accent1"/>
+          </a:solidFill>
+          <a:ln w="38100">
+            <a:noFill/>
+          </a:ln>
+        </p:spPr>
+        <p:style>
+          <a:lnRef idx="2">
+            <a:schemeClr val="accent1">
+              <a:shade val="50000"/>
+            </a:schemeClr>
+          </a:lnRef>
+          <a:fillRef idx="1">
+            <a:schemeClr val="accent1"/>
+          </a:fillRef>
+          <a:effectRef idx="0">
+            <a:schemeClr val="accent1"/>
+          </a:effectRef>
+          <a:fontRef idx="minor">
+            <a:schemeClr val="lt1"/>
+          </a:fontRef>
+        </p:style>
+        <p:txBody>
+          <a:bodyPr rtlCol="0" anchor="ctr"/>
+          <a:lstStyle/>
+          <a:p>
+            <a:pPr algn="ctr"/>
+            <a:r>
+              <a:rPr lang="sv-SE" dirty="0" err="1" smtClean="0">
+                <a:solidFill>
+                  <a:schemeClr val="tx1"/>
+                </a:solidFill>
+              </a:rPr>
+              <a:t>Transactions</a:t>
+            </a:r>
+            <a:endParaRPr lang="sv-SE" dirty="0">
+              <a:solidFill>
+                <a:schemeClr val="tx1"/>
+              </a:solidFill>
+            </a:endParaRPr>
+          </a:p>
+        </p:txBody>
+      </p:sp>
+      <p:sp>
+        <p:nvSpPr>
+          <p:cNvPr id="12" name="Rectangle 29"/>
+          <p:cNvSpPr/>
+          <p:nvPr/>
+        </p:nvSpPr>
+        <p:spPr>
+          <a:xfrm>
+            <a:off x="7686508" y="2241118"/>
+            <a:ext cx="1973223" cy="800100"/>
+          </a:xfrm>
+          <a:prstGeom prst="rect">
+            <a:avLst/>
+          </a:prstGeom>
+          <a:solidFill>
+            <a:schemeClr val="accent1"/>
+          </a:solidFill>
+          <a:ln w="38100">
+            <a:noFill/>
+          </a:ln>
+        </p:spPr>
+        <p:style>
+          <a:lnRef idx="2">
+            <a:schemeClr val="accent1">
+              <a:shade val="50000"/>
+            </a:schemeClr>
+          </a:lnRef>
+          <a:fillRef idx="1">
+            <a:schemeClr val="accent1"/>
+          </a:fillRef>
+          <a:effectRef idx="0">
+            <a:schemeClr val="accent1"/>
+          </a:effectRef>
+          <a:fontRef idx="minor">
+            <a:schemeClr val="lt1"/>
+          </a:fontRef>
+        </p:style>
+        <p:txBody>
+          <a:bodyPr rtlCol="0" anchor="ctr"/>
+          <a:lstStyle/>
+          <a:p>
+            <a:pPr algn="ctr"/>
+            <a:r>
+              <a:rPr lang="sv-SE" dirty="0" err="1" smtClean="0">
+                <a:solidFill>
+                  <a:schemeClr val="tx1"/>
+                </a:solidFill>
+              </a:rPr>
+              <a:t>Transactions</a:t>
+            </a:r>
+            <a:endParaRPr lang="sv-SE" dirty="0">
+              <a:solidFill>
+                <a:schemeClr val="tx1"/>
+              </a:solidFill>
+            </a:endParaRPr>
+          </a:p>
+        </p:txBody>
+      </p:sp>
+      <p:cxnSp>
+        <p:nvCxnSpPr>
+          <p:cNvPr id="14" name="Rak 13"/>
+          <p:cNvCxnSpPr/>
+          <p:nvPr/>
+        </p:nvCxnSpPr>
+        <p:spPr>
+          <a:xfrm>
+            <a:off x="1079500" y="3204732"/>
+            <a:ext cx="8793192" cy="0"/>
+          </a:xfrm>
+          <a:prstGeom prst="line">
+            <a:avLst/>
+          </a:prstGeom>
+          <a:ln w="47625">
+            <a:solidFill>
+              <a:schemeClr val="tx1"/>
+            </a:solidFill>
+            <a:prstDash val="dash"/>
+          </a:ln>
+        </p:spPr>
+        <p:style>
+          <a:lnRef idx="1">
+            <a:schemeClr val="accent1"/>
+          </a:lnRef>
+          <a:fillRef idx="0">
+            <a:schemeClr val="accent1"/>
+          </a:fillRef>
+          <a:effectRef idx="0">
+            <a:schemeClr val="accent1"/>
+          </a:effectRef>
+          <a:fontRef idx="minor">
+            <a:schemeClr val="tx1"/>
+          </a:fontRef>
+        </p:style>
+      </p:cxnSp>
+      <p:cxnSp>
+        <p:nvCxnSpPr>
+          <p:cNvPr id="19" name="Rak 18"/>
+          <p:cNvCxnSpPr/>
+          <p:nvPr/>
+        </p:nvCxnSpPr>
+        <p:spPr>
+          <a:xfrm>
+            <a:off x="1116504" y="4271532"/>
+            <a:ext cx="8793192" cy="0"/>
+          </a:xfrm>
+          <a:prstGeom prst="line">
+            <a:avLst/>
+          </a:prstGeom>
+          <a:ln w="47625">
+            <a:solidFill>
+              <a:schemeClr val="tx1"/>
+            </a:solidFill>
+            <a:prstDash val="dash"/>
+          </a:ln>
+        </p:spPr>
+        <p:style>
+          <a:lnRef idx="1">
+            <a:schemeClr val="accent1"/>
+          </a:lnRef>
+          <a:fillRef idx="0">
+            <a:schemeClr val="accent1"/>
+          </a:fillRef>
+          <a:effectRef idx="0">
+            <a:schemeClr val="accent1"/>
+          </a:effectRef>
+          <a:fontRef idx="minor">
+            <a:schemeClr val="tx1"/>
+          </a:fontRef>
+        </p:style>
+      </p:cxnSp>
+      <p:sp>
+        <p:nvSpPr>
+          <p:cNvPr id="20" name="Rectangle 29"/>
+          <p:cNvSpPr/>
+          <p:nvPr/>
+        </p:nvSpPr>
+        <p:spPr>
+          <a:xfrm>
+            <a:off x="1203560" y="3334479"/>
+            <a:ext cx="1973223" cy="800100"/>
+          </a:xfrm>
+          <a:prstGeom prst="rect">
+            <a:avLst/>
+          </a:prstGeom>
+          <a:solidFill>
+            <a:schemeClr val="accent5"/>
+          </a:solidFill>
+          <a:ln w="38100">
+            <a:noFill/>
+          </a:ln>
+        </p:spPr>
+        <p:style>
+          <a:lnRef idx="2">
+            <a:schemeClr val="accent1">
+              <a:shade val="50000"/>
+            </a:schemeClr>
+          </a:lnRef>
+          <a:fillRef idx="1">
+            <a:schemeClr val="accent1"/>
+          </a:fillRef>
+          <a:effectRef idx="0">
+            <a:schemeClr val="accent1"/>
+          </a:effectRef>
+          <a:fontRef idx="minor">
+            <a:schemeClr val="lt1"/>
+          </a:fontRef>
+        </p:style>
+        <p:txBody>
+          <a:bodyPr rtlCol="0" anchor="ctr"/>
+          <a:lstStyle/>
+          <a:p>
+            <a:pPr algn="ctr"/>
+            <a:r>
+              <a:rPr lang="sv-SE" dirty="0" smtClean="0">
+                <a:solidFill>
+                  <a:schemeClr val="tx1"/>
+                </a:solidFill>
+              </a:rPr>
+              <a:t>REST</a:t>
+            </a:r>
+            <a:endParaRPr lang="sv-SE" dirty="0">
+              <a:solidFill>
+                <a:schemeClr val="tx1"/>
+              </a:solidFill>
+            </a:endParaRPr>
+          </a:p>
+        </p:txBody>
+      </p:sp>
+      <p:sp>
+        <p:nvSpPr>
+          <p:cNvPr id="21" name="Rectangle 29"/>
+          <p:cNvSpPr/>
+          <p:nvPr/>
+        </p:nvSpPr>
+        <p:spPr>
+          <a:xfrm>
+            <a:off x="3325149" y="3341769"/>
+            <a:ext cx="1973223" cy="800100"/>
+          </a:xfrm>
+          <a:prstGeom prst="rect">
+            <a:avLst/>
+          </a:prstGeom>
+          <a:solidFill>
+            <a:schemeClr val="accent5"/>
+          </a:solidFill>
+          <a:ln w="38100">
+            <a:noFill/>
+          </a:ln>
+        </p:spPr>
+        <p:style>
+          <a:lnRef idx="2">
+            <a:schemeClr val="accent1">
+              <a:shade val="50000"/>
+            </a:schemeClr>
+          </a:lnRef>
+          <a:fillRef idx="1">
+            <a:schemeClr val="accent1"/>
+          </a:fillRef>
+          <a:effectRef idx="0">
+            <a:schemeClr val="accent1"/>
+          </a:effectRef>
+          <a:fontRef idx="minor">
+            <a:schemeClr val="lt1"/>
+          </a:fontRef>
+        </p:style>
+        <p:txBody>
+          <a:bodyPr rtlCol="0" anchor="ctr"/>
+          <a:lstStyle/>
+          <a:p>
+            <a:pPr algn="ctr"/>
+            <a:r>
+              <a:rPr lang="sv-SE" dirty="0" err="1" smtClean="0">
+                <a:solidFill>
+                  <a:schemeClr val="tx1"/>
+                </a:solidFill>
+              </a:rPr>
+              <a:t>Monitoring</a:t>
+            </a:r>
+            <a:endParaRPr lang="sv-SE" dirty="0">
+              <a:solidFill>
+                <a:schemeClr val="tx1"/>
+              </a:solidFill>
+            </a:endParaRPr>
+          </a:p>
+        </p:txBody>
+      </p:sp>
+      <p:sp>
+        <p:nvSpPr>
+          <p:cNvPr id="22" name="Rectangle 29"/>
+          <p:cNvSpPr/>
+          <p:nvPr/>
+        </p:nvSpPr>
+        <p:spPr>
+          <a:xfrm>
+            <a:off x="5459438" y="3341769"/>
+            <a:ext cx="1973223" cy="800100"/>
+          </a:xfrm>
+          <a:prstGeom prst="rect">
+            <a:avLst/>
+          </a:prstGeom>
+          <a:solidFill>
+            <a:schemeClr val="accent5"/>
+          </a:solidFill>
+          <a:ln w="38100">
+            <a:noFill/>
+          </a:ln>
+        </p:spPr>
+        <p:style>
+          <a:lnRef idx="2">
+            <a:schemeClr val="accent1">
+              <a:shade val="50000"/>
+            </a:schemeClr>
+          </a:lnRef>
+          <a:fillRef idx="1">
+            <a:schemeClr val="accent1"/>
+          </a:fillRef>
+          <a:effectRef idx="0">
+            <a:schemeClr val="accent1"/>
+          </a:effectRef>
+          <a:fontRef idx="minor">
+            <a:schemeClr val="lt1"/>
+          </a:fontRef>
+        </p:style>
+        <p:txBody>
+          <a:bodyPr rtlCol="0" anchor="ctr"/>
+          <a:lstStyle/>
+          <a:p>
+            <a:pPr algn="ctr"/>
+            <a:r>
+              <a:rPr lang="sv-SE" dirty="0" err="1" smtClean="0">
+                <a:solidFill>
+                  <a:schemeClr val="tx1"/>
+                </a:solidFill>
+              </a:rPr>
+              <a:t>Analytics</a:t>
+            </a:r>
+            <a:endParaRPr lang="sv-SE" dirty="0">
+              <a:solidFill>
+                <a:schemeClr val="tx1"/>
+              </a:solidFill>
+            </a:endParaRPr>
+          </a:p>
+        </p:txBody>
+      </p:sp>
+      <p:sp>
+        <p:nvSpPr>
+          <p:cNvPr id="23" name="Rectangle 29"/>
+          <p:cNvSpPr/>
+          <p:nvPr/>
+        </p:nvSpPr>
+        <p:spPr>
+          <a:xfrm>
+            <a:off x="7665143" y="3341769"/>
+            <a:ext cx="1973223" cy="800100"/>
+          </a:xfrm>
+          <a:prstGeom prst="rect">
+            <a:avLst/>
+          </a:prstGeom>
+          <a:solidFill>
+            <a:schemeClr val="accent5"/>
+          </a:solidFill>
+          <a:ln w="38100">
+            <a:noFill/>
+          </a:ln>
+        </p:spPr>
+        <p:style>
+          <a:lnRef idx="2">
+            <a:schemeClr val="accent1">
+              <a:shade val="50000"/>
+            </a:schemeClr>
+          </a:lnRef>
+          <a:fillRef idx="1">
+            <a:schemeClr val="accent1"/>
+          </a:fillRef>
+          <a:effectRef idx="0">
+            <a:schemeClr val="accent1"/>
+          </a:effectRef>
+          <a:fontRef idx="minor">
+            <a:schemeClr val="lt1"/>
+          </a:fontRef>
+        </p:style>
+        <p:txBody>
+          <a:bodyPr rtlCol="0" anchor="ctr"/>
+          <a:lstStyle/>
+          <a:p>
+            <a:pPr algn="ctr"/>
+            <a:r>
+              <a:rPr lang="sv-SE" dirty="0" err="1" smtClean="0">
+                <a:solidFill>
+                  <a:schemeClr val="tx1"/>
+                </a:solidFill>
+              </a:rPr>
+              <a:t>Batch-jobs</a:t>
+            </a:r>
+            <a:endParaRPr lang="sv-SE" dirty="0">
+              <a:solidFill>
+                <a:schemeClr val="tx1"/>
+              </a:solidFill>
+            </a:endParaRPr>
+          </a:p>
+        </p:txBody>
+      </p:sp>
+      <p:sp>
+        <p:nvSpPr>
+          <p:cNvPr id="24" name="Rectangle 29"/>
+          <p:cNvSpPr/>
+          <p:nvPr/>
+        </p:nvSpPr>
+        <p:spPr>
+          <a:xfrm>
+            <a:off x="1203560" y="4477078"/>
+            <a:ext cx="1973223" cy="800100"/>
+          </a:xfrm>
+          <a:prstGeom prst="rect">
+            <a:avLst/>
+          </a:prstGeom>
+          <a:solidFill>
+            <a:schemeClr val="accent1"/>
+          </a:solidFill>
+          <a:ln w="38100">
+            <a:noFill/>
+          </a:ln>
+        </p:spPr>
+        <p:style>
+          <a:lnRef idx="2">
+            <a:schemeClr val="accent1">
+              <a:shade val="50000"/>
+            </a:schemeClr>
+          </a:lnRef>
+          <a:fillRef idx="1">
+            <a:schemeClr val="accent1"/>
+          </a:fillRef>
+          <a:effectRef idx="0">
+            <a:schemeClr val="accent1"/>
+          </a:effectRef>
+          <a:fontRef idx="minor">
+            <a:schemeClr val="lt1"/>
+          </a:fontRef>
+        </p:style>
+        <p:txBody>
+          <a:bodyPr rtlCol="0" anchor="ctr"/>
+          <a:lstStyle/>
+          <a:p>
+            <a:pPr algn="ctr"/>
+            <a:r>
+              <a:rPr lang="sv-SE" dirty="0" smtClean="0">
+                <a:solidFill>
+                  <a:schemeClr val="tx1"/>
+                </a:solidFill>
+              </a:rPr>
+              <a:t>Bank-giro</a:t>
+            </a:r>
+            <a:endParaRPr lang="sv-SE" dirty="0">
+              <a:solidFill>
+                <a:schemeClr val="tx1"/>
+              </a:solidFill>
+            </a:endParaRPr>
+          </a:p>
+        </p:txBody>
+      </p:sp>
+      <p:sp>
+        <p:nvSpPr>
+          <p:cNvPr id="25" name="Rectangle 29"/>
+          <p:cNvSpPr/>
+          <p:nvPr/>
+        </p:nvSpPr>
+        <p:spPr>
+          <a:xfrm>
+            <a:off x="3325149" y="4484368"/>
+            <a:ext cx="1973223" cy="800100"/>
+          </a:xfrm>
+          <a:prstGeom prst="rect">
+            <a:avLst/>
+          </a:prstGeom>
+          <a:solidFill>
+            <a:schemeClr val="accent1"/>
+          </a:solidFill>
+          <a:ln w="38100">
+            <a:noFill/>
+          </a:ln>
+        </p:spPr>
+        <p:style>
+          <a:lnRef idx="2">
+            <a:schemeClr val="accent1">
+              <a:shade val="50000"/>
+            </a:schemeClr>
+          </a:lnRef>
+          <a:fillRef idx="1">
+            <a:schemeClr val="accent1"/>
+          </a:fillRef>
+          <a:effectRef idx="0">
+            <a:schemeClr val="accent1"/>
+          </a:effectRef>
+          <a:fontRef idx="minor">
+            <a:schemeClr val="lt1"/>
+          </a:fontRef>
+        </p:style>
+        <p:txBody>
+          <a:bodyPr rtlCol="0" anchor="ctr"/>
+          <a:lstStyle/>
+          <a:p>
+            <a:pPr algn="ctr"/>
+            <a:r>
+              <a:rPr lang="sv-SE" dirty="0" err="1" smtClean="0">
+                <a:solidFill>
+                  <a:schemeClr val="tx1"/>
+                </a:solidFill>
+              </a:rPr>
+              <a:t>Customer</a:t>
+            </a:r>
+            <a:r>
+              <a:rPr lang="sv-SE" dirty="0" smtClean="0">
+                <a:solidFill>
+                  <a:schemeClr val="tx1"/>
+                </a:solidFill>
+              </a:rPr>
+              <a:t> service</a:t>
+            </a:r>
+            <a:endParaRPr lang="sv-SE" dirty="0">
+              <a:solidFill>
+                <a:schemeClr val="tx1"/>
+              </a:solidFill>
+            </a:endParaRPr>
+          </a:p>
+        </p:txBody>
+      </p:sp>
+      <p:sp>
+        <p:nvSpPr>
+          <p:cNvPr id="26" name="Rectangle 29"/>
+          <p:cNvSpPr/>
+          <p:nvPr/>
+        </p:nvSpPr>
+        <p:spPr>
+          <a:xfrm>
+            <a:off x="5459438" y="4484368"/>
+            <a:ext cx="1973223" cy="800100"/>
+          </a:xfrm>
+          <a:prstGeom prst="rect">
+            <a:avLst/>
+          </a:prstGeom>
+          <a:solidFill>
+            <a:schemeClr val="accent1"/>
+          </a:solidFill>
+          <a:ln w="38100">
+            <a:noFill/>
+          </a:ln>
+        </p:spPr>
+        <p:style>
+          <a:lnRef idx="2">
+            <a:schemeClr val="accent1">
+              <a:shade val="50000"/>
+            </a:schemeClr>
+          </a:lnRef>
+          <a:fillRef idx="1">
+            <a:schemeClr val="accent1"/>
+          </a:fillRef>
+          <a:effectRef idx="0">
+            <a:schemeClr val="accent1"/>
+          </a:effectRef>
+          <a:fontRef idx="minor">
+            <a:schemeClr val="lt1"/>
+          </a:fontRef>
+        </p:style>
+        <p:txBody>
+          <a:bodyPr rtlCol="0" anchor="ctr"/>
+          <a:lstStyle/>
+          <a:p>
+            <a:pPr algn="ctr"/>
+            <a:r>
+              <a:rPr lang="sv-SE" dirty="0" smtClean="0">
+                <a:solidFill>
+                  <a:schemeClr val="tx1"/>
+                </a:solidFill>
+              </a:rPr>
+              <a:t>Mobile </a:t>
+            </a:r>
+            <a:r>
+              <a:rPr lang="sv-SE" dirty="0" err="1" smtClean="0">
+                <a:solidFill>
+                  <a:schemeClr val="tx1"/>
+                </a:solidFill>
+              </a:rPr>
+              <a:t>app</a:t>
+            </a:r>
+            <a:endParaRPr lang="sv-SE" dirty="0">
+              <a:solidFill>
+                <a:schemeClr val="tx1"/>
+              </a:solidFill>
+            </a:endParaRPr>
+          </a:p>
+        </p:txBody>
+      </p:sp>
+      <p:sp>
+        <p:nvSpPr>
+          <p:cNvPr id="27" name="Rectangle 29"/>
+          <p:cNvSpPr/>
+          <p:nvPr/>
+        </p:nvSpPr>
+        <p:spPr>
+          <a:xfrm>
+            <a:off x="7665143" y="4484368"/>
+            <a:ext cx="1973223" cy="800100"/>
+          </a:xfrm>
+          <a:prstGeom prst="rect">
+            <a:avLst/>
+          </a:prstGeom>
+          <a:solidFill>
+            <a:schemeClr val="accent1"/>
+          </a:solidFill>
+          <a:ln w="38100">
+            <a:noFill/>
+          </a:ln>
+        </p:spPr>
+        <p:style>
+          <a:lnRef idx="2">
+            <a:schemeClr val="accent1">
+              <a:shade val="50000"/>
+            </a:schemeClr>
+          </a:lnRef>
+          <a:fillRef idx="1">
+            <a:schemeClr val="accent1"/>
+          </a:fillRef>
+          <a:effectRef idx="0">
+            <a:schemeClr val="accent1"/>
+          </a:effectRef>
+          <a:fontRef idx="minor">
+            <a:schemeClr val="lt1"/>
+          </a:fontRef>
+        </p:style>
+        <p:txBody>
+          <a:bodyPr rtlCol="0" anchor="ctr"/>
+          <a:lstStyle/>
+          <a:p>
+            <a:pPr algn="ctr"/>
+            <a:r>
+              <a:rPr lang="sv-SE" dirty="0" err="1" smtClean="0">
+                <a:solidFill>
+                  <a:schemeClr val="tx1"/>
+                </a:solidFill>
+              </a:rPr>
+              <a:t>Website</a:t>
+            </a:r>
+            <a:endParaRPr lang="sv-SE" dirty="0">
+              <a:solidFill>
+                <a:schemeClr val="tx1"/>
+              </a:solidFill>
+            </a:endParaRPr>
+          </a:p>
+        </p:txBody>
+      </p:sp>
+      <p:sp>
+        <p:nvSpPr>
+          <p:cNvPr id="2" name="Slide Number Placeholder 1"/>
+          <p:cNvSpPr>
+            <a:spLocks noGrp="1"/>
+          </p:cNvSpPr>
+          <p:nvPr>
+            <p:ph type="sldNum" sz="quarter" idx="12"/>
+          </p:nvPr>
+        </p:nvSpPr>
+        <p:spPr/>
+        <p:txBody>
+          <a:bodyPr/>
+          <a:lstStyle/>
+          <a:p>
+            <a:fld id="{6332AF82-E98F-8C47-B5BC-EDAF4B2AF6A5}" type="slidenum">
+              <a:rPr lang="en-US" smtClean="0"/>
+              <a:t>25</a:t>
+            </a:fld>
+            <a:endParaRPr lang="en-US"/>
+          </a:p>
+        </p:txBody>
+      </p:sp>
+      <p:sp>
+        <p:nvSpPr>
+          <p:cNvPr id="4" name="Rektangel 3"/>
+          <p:cNvSpPr/>
+          <p:nvPr/>
+        </p:nvSpPr>
+        <p:spPr>
+          <a:xfrm>
+            <a:off x="1079500" y="1422400"/>
+            <a:ext cx="8793192" cy="4140199"/>
+          </a:xfrm>
+          <a:prstGeom prst="rect">
+            <a:avLst/>
+          </a:prstGeom>
+          <a:noFill/>
+          <a:ln w="41275"/>
+        </p:spPr>
+        <p:style>
+          <a:lnRef idx="2">
+            <a:schemeClr val="accent1">
+              <a:shade val="50000"/>
+            </a:schemeClr>
+          </a:lnRef>
+          <a:fillRef idx="1">
+            <a:schemeClr val="accent1"/>
+          </a:fillRef>
+          <a:effectRef idx="0">
+            <a:schemeClr val="accent1"/>
+          </a:effectRef>
+          <a:fontRef idx="minor">
+            <a:schemeClr val="lt1"/>
+          </a:fontRef>
+        </p:style>
+        <p:txBody>
+          <a:bodyPr rtlCol="0" anchor="ctr"/>
+          <a:lstStyle/>
+          <a:p>
+            <a:pPr algn="ctr"/>
+            <a:endParaRPr lang="sv-SE"/>
+          </a:p>
+        </p:txBody>
+      </p:sp>
+    </p:spTree>
+    <p:extLst>
+      <p:ext uri="{BB962C8B-B14F-4D97-AF65-F5344CB8AC3E}">
+        <p14:creationId xmlns:p14="http://schemas.microsoft.com/office/powerpoint/2010/main" val="917826608"/>
+      </p:ext>
+    </p:extLst>
+  </p:cSld>
+  <p:clrMapOvr>
+    <a:masterClrMapping/>
+  </p:clrMapOvr>
+  <mc:AlternateContent xmlns:mc="http://schemas.openxmlformats.org/markup-compatibility/2006">
+    <mc:Choice xmlns:p14="http://schemas.microsoft.com/office/powerpoint/2010/main" Requires="p14">
+      <p:transition spd="slow" p14:dur="2000"/>
+    </mc:Choice>
+    <mc:Fallback>
+      <p:transition spd="slow"/>
+    </mc:Fallback>
+  </mc:AlternateContent>
   <p:timing>
     <p:tnLst>
       <p:par>

--- a/Kafka Summit-part1-v07.pptx
+++ b/Kafka Summit-part1-v07.pptx
@@ -18291,7 +18291,7 @@
         </p:blipFill>
         <p:spPr>
           <a:xfrm>
-            <a:off x="6303329" y="1271591"/>
+            <a:off x="6392229" y="1585914"/>
             <a:ext cx="4589141" cy="2413000"/>
           </a:xfrm>
           <a:prstGeom prst="rect">
@@ -18307,7 +18307,7 @@
         </p:nvCxnSpPr>
         <p:spPr>
           <a:xfrm flipV="1">
-            <a:off x="7556500" y="1766090"/>
+            <a:off x="7645400" y="2080413"/>
             <a:ext cx="850900" cy="1066010"/>
           </a:xfrm>
           <a:prstGeom prst="straightConnector1">
@@ -18341,7 +18341,7 @@
         </p:nvCxnSpPr>
         <p:spPr>
           <a:xfrm flipV="1">
-            <a:off x="6921500" y="1677976"/>
+            <a:off x="7010400" y="1992299"/>
             <a:ext cx="1485900" cy="328624"/>
           </a:xfrm>
           <a:prstGeom prst="straightConnector1">
@@ -18375,7 +18375,7 @@
         </p:nvCxnSpPr>
         <p:spPr>
           <a:xfrm flipH="1" flipV="1">
-            <a:off x="8509000" y="1677976"/>
+            <a:off x="8597900" y="1992299"/>
             <a:ext cx="1358900" cy="693750"/>
           </a:xfrm>
           <a:prstGeom prst="straightConnector1">
@@ -18409,7 +18409,7 @@
         </p:nvCxnSpPr>
         <p:spPr>
           <a:xfrm flipH="1" flipV="1">
-            <a:off x="8509000" y="1766090"/>
+            <a:off x="8597900" y="2080413"/>
             <a:ext cx="203200" cy="915194"/>
           </a:xfrm>
           <a:prstGeom prst="straightConnector1">
@@ -20642,7 +20642,7 @@
         </p:blipFill>
         <p:spPr>
           <a:xfrm>
-            <a:off x="4596166" y="968752"/>
+            <a:off x="4411544" y="976311"/>
             <a:ext cx="1716978" cy="1716978"/>
           </a:xfrm>
           <a:prstGeom prst="rect">
@@ -20650,6 +20650,48 @@
           </a:prstGeom>
         </p:spPr>
       </p:pic>
+      <p:sp>
+        <p:nvSpPr>
+          <p:cNvPr id="4" name="Rektangel 3"/>
+          <p:cNvSpPr/>
+          <p:nvPr/>
+        </p:nvSpPr>
+        <p:spPr>
+          <a:xfrm>
+            <a:off x="1079500" y="1422400"/>
+            <a:ext cx="8793192" cy="4140199"/>
+          </a:xfrm>
+          <a:prstGeom prst="rect">
+            <a:avLst/>
+          </a:prstGeom>
+          <a:noFill/>
+          <a:ln w="41275"/>
+        </p:spPr>
+        <p:style>
+          <a:lnRef idx="2">
+            <a:schemeClr val="accent1">
+              <a:shade val="50000"/>
+            </a:schemeClr>
+          </a:lnRef>
+          <a:fillRef idx="1">
+            <a:schemeClr val="accent1"/>
+          </a:fillRef>
+          <a:effectRef idx="0">
+            <a:schemeClr val="accent1"/>
+          </a:effectRef>
+          <a:fontRef idx="minor">
+            <a:schemeClr val="lt1"/>
+          </a:fontRef>
+        </p:style>
+        <p:txBody>
+          <a:bodyPr rtlCol="0" anchor="ctr"/>
+          <a:lstStyle/>
+          <a:p>
+            <a:pPr algn="ctr"/>
+            <a:endParaRPr lang="sv-SE"/>
+          </a:p>
+        </p:txBody>
+      </p:sp>
       <p:sp>
         <p:nvSpPr>
           <p:cNvPr id="5" name="Platshållare för innehåll 2"/>
@@ -21087,7 +21129,15 @@
                   <a:schemeClr val="tx1"/>
                 </a:solidFill>
               </a:rPr>
-              <a:t>Transactions</a:t>
+              <a:t>Customer</a:t>
+            </a:r>
+            <a:r>
+              <a:rPr lang="sv-SE" dirty="0" smtClean="0">
+                <a:solidFill>
+                  <a:schemeClr val="tx1"/>
+                </a:solidFill>
+              </a:rPr>
+              <a:t> events</a:t>
             </a:r>
             <a:endParaRPr lang="sv-SE" dirty="0">
               <a:solidFill>
@@ -21669,48 +21719,6 @@
               <a:t>25</a:t>
             </a:fld>
             <a:endParaRPr lang="en-US"/>
-          </a:p>
-        </p:txBody>
-      </p:sp>
-      <p:sp>
-        <p:nvSpPr>
-          <p:cNvPr id="4" name="Rektangel 3"/>
-          <p:cNvSpPr/>
-          <p:nvPr/>
-        </p:nvSpPr>
-        <p:spPr>
-          <a:xfrm>
-            <a:off x="1079500" y="1422400"/>
-            <a:ext cx="8793192" cy="4140199"/>
-          </a:xfrm>
-          <a:prstGeom prst="rect">
-            <a:avLst/>
-          </a:prstGeom>
-          <a:noFill/>
-          <a:ln w="41275"/>
-        </p:spPr>
-        <p:style>
-          <a:lnRef idx="2">
-            <a:schemeClr val="accent1">
-              <a:shade val="50000"/>
-            </a:schemeClr>
-          </a:lnRef>
-          <a:fillRef idx="1">
-            <a:schemeClr val="accent1"/>
-          </a:fillRef>
-          <a:effectRef idx="0">
-            <a:schemeClr val="accent1"/>
-          </a:effectRef>
-          <a:fontRef idx="minor">
-            <a:schemeClr val="lt1"/>
-          </a:fontRef>
-        </p:style>
-        <p:txBody>
-          <a:bodyPr rtlCol="0" anchor="ctr"/>
-          <a:lstStyle/>
-          <a:p>
-            <a:pPr algn="ctr"/>
-            <a:endParaRPr lang="sv-SE"/>
           </a:p>
         </p:txBody>
       </p:sp>
